--- a/doc/ppt/第二阶段/20 upstream 指令参数.pptx
+++ b/doc/ppt/第二阶段/20 upstream 指令参数.pptx
@@ -7,6 +7,10 @@
   <p:sldIdLst>
     <p:sldId id="256" r:id="rId2"/>
     <p:sldId id="257" r:id="rId3"/>
+    <p:sldId id="258" r:id="rId4"/>
+    <p:sldId id="259" r:id="rId5"/>
+    <p:sldId id="260" r:id="rId6"/>
+    <p:sldId id="261" r:id="rId7"/>
   </p:sldIdLst>
   <p:sldSz cx="9144000" cy="6858000" type="screen4x3"/>
   <p:notesSz cx="6858000" cy="9144000"/>
@@ -306,7 +310,7 @@
             <a:fld id="{1D8BD707-D9CF-40AE-B4C6-C98DA3205C09}" type="datetimeFigureOut">
               <a:rPr lang="en-US" smtClean="0"/>
               <a:pPr/>
-              <a:t>11/5/2021</a:t>
+              <a:t>11/7/2021</a:t>
             </a:fld>
             <a:endParaRPr lang="en-US"/>
           </a:p>
@@ -473,7 +477,7 @@
             <a:fld id="{1D8BD707-D9CF-40AE-B4C6-C98DA3205C09}" type="datetimeFigureOut">
               <a:rPr lang="en-US" smtClean="0"/>
               <a:pPr/>
-              <a:t>11/5/2021</a:t>
+              <a:t>11/7/2021</a:t>
             </a:fld>
             <a:endParaRPr lang="en-US"/>
           </a:p>
@@ -650,7 +654,7 @@
             <a:fld id="{1D8BD707-D9CF-40AE-B4C6-C98DA3205C09}" type="datetimeFigureOut">
               <a:rPr lang="en-US" smtClean="0"/>
               <a:pPr/>
-              <a:t>11/5/2021</a:t>
+              <a:t>11/7/2021</a:t>
             </a:fld>
             <a:endParaRPr lang="en-US"/>
           </a:p>
@@ -817,7 +821,7 @@
             <a:fld id="{1D8BD707-D9CF-40AE-B4C6-C98DA3205C09}" type="datetimeFigureOut">
               <a:rPr lang="en-US" smtClean="0"/>
               <a:pPr/>
-              <a:t>11/5/2021</a:t>
+              <a:t>11/7/2021</a:t>
             </a:fld>
             <a:endParaRPr lang="en-US"/>
           </a:p>
@@ -1060,7 +1064,7 @@
             <a:fld id="{1D8BD707-D9CF-40AE-B4C6-C98DA3205C09}" type="datetimeFigureOut">
               <a:rPr lang="en-US" smtClean="0"/>
               <a:pPr/>
-              <a:t>11/5/2021</a:t>
+              <a:t>11/7/2021</a:t>
             </a:fld>
             <a:endParaRPr lang="en-US"/>
           </a:p>
@@ -1345,7 +1349,7 @@
             <a:fld id="{1D8BD707-D9CF-40AE-B4C6-C98DA3205C09}" type="datetimeFigureOut">
               <a:rPr lang="en-US" smtClean="0"/>
               <a:pPr/>
-              <a:t>11/5/2021</a:t>
+              <a:t>11/7/2021</a:t>
             </a:fld>
             <a:endParaRPr lang="en-US"/>
           </a:p>
@@ -1764,7 +1768,7 @@
             <a:fld id="{1D8BD707-D9CF-40AE-B4C6-C98DA3205C09}" type="datetimeFigureOut">
               <a:rPr lang="en-US" smtClean="0"/>
               <a:pPr/>
-              <a:t>11/5/2021</a:t>
+              <a:t>11/7/2021</a:t>
             </a:fld>
             <a:endParaRPr lang="en-US"/>
           </a:p>
@@ -1879,7 +1883,7 @@
             <a:fld id="{1D8BD707-D9CF-40AE-B4C6-C98DA3205C09}" type="datetimeFigureOut">
               <a:rPr lang="en-US" smtClean="0"/>
               <a:pPr/>
-              <a:t>11/5/2021</a:t>
+              <a:t>11/7/2021</a:t>
             </a:fld>
             <a:endParaRPr lang="en-US"/>
           </a:p>
@@ -1971,7 +1975,7 @@
             <a:fld id="{1D8BD707-D9CF-40AE-B4C6-C98DA3205C09}" type="datetimeFigureOut">
               <a:rPr lang="en-US" smtClean="0"/>
               <a:pPr/>
-              <a:t>11/5/2021</a:t>
+              <a:t>11/7/2021</a:t>
             </a:fld>
             <a:endParaRPr lang="en-US"/>
           </a:p>
@@ -2245,7 +2249,7 @@
             <a:fld id="{1D8BD707-D9CF-40AE-B4C6-C98DA3205C09}" type="datetimeFigureOut">
               <a:rPr lang="en-US" smtClean="0"/>
               <a:pPr/>
-              <a:t>11/5/2021</a:t>
+              <a:t>11/7/2021</a:t>
             </a:fld>
             <a:endParaRPr lang="en-US"/>
           </a:p>
@@ -2495,7 +2499,7 @@
             <a:fld id="{1D8BD707-D9CF-40AE-B4C6-C98DA3205C09}" type="datetimeFigureOut">
               <a:rPr lang="en-US" smtClean="0"/>
               <a:pPr/>
-              <a:t>11/5/2021</a:t>
+              <a:t>11/7/2021</a:t>
             </a:fld>
             <a:endParaRPr lang="en-US"/>
           </a:p>
@@ -2705,7 +2709,7 @@
             <a:fld id="{1D8BD707-D9CF-40AE-B4C6-C98DA3205C09}" type="datetimeFigureOut">
               <a:rPr lang="en-US" smtClean="0"/>
               <a:pPr/>
-              <a:t>11/5/2021</a:t>
+              <a:t>11/7/2021</a:t>
             </a:fld>
             <a:endParaRPr lang="en-US"/>
           </a:p>
@@ -3126,7 +3130,7 @@
         </p:blipFill>
         <p:spPr>
           <a:xfrm>
-            <a:off x="1143000" y="1447800"/>
+            <a:off x="1143000" y="1219200"/>
             <a:ext cx="6619875" cy="3724275"/>
           </a:xfrm>
           <a:prstGeom prst="rect">
@@ -3159,7 +3163,658 @@
           <a:chExt cx="0" cy="0"/>
         </a:xfrm>
       </p:grpSpPr>
+      <p:sp>
+        <p:nvSpPr>
+          <p:cNvPr id="3" name="文本框 2"/>
+          <p:cNvSpPr txBox="1"/>
+          <p:nvPr/>
+        </p:nvSpPr>
+        <p:spPr>
+          <a:xfrm>
+            <a:off x="990600" y="609600"/>
+            <a:ext cx="7226658" cy="646331"/>
+          </a:xfrm>
+          <a:prstGeom prst="rect">
+            <a:avLst/>
+          </a:prstGeom>
+          <a:noFill/>
+        </p:spPr>
+        <p:txBody>
+          <a:bodyPr wrap="none" rtlCol="0">
+            <a:spAutoFit/>
+          </a:bodyPr>
+          <a:lstStyle/>
+          <a:p>
+            <a:r>
+              <a:rPr lang="en-US" altLang="zh-CN" dirty="0" err="1" smtClean="0"/>
+              <a:t>Max_conns</a:t>
+            </a:r>
+            <a:r>
+              <a:rPr lang="zh-CN" altLang="en-US" dirty="0" smtClean="0"/>
+              <a:t>：</a:t>
+            </a:r>
+            <a:r>
+              <a:rPr lang="en-US" altLang="zh-CN" dirty="0" smtClean="0"/>
+              <a:t>max connection </a:t>
+            </a:r>
+            <a:r>
+              <a:rPr lang="zh-CN" altLang="en-US" dirty="0" smtClean="0"/>
+              <a:t>限制一台服务器最大连接数，</a:t>
+            </a:r>
+            <a:endParaRPr lang="en-US" altLang="zh-CN" dirty="0" smtClean="0"/>
+          </a:p>
+          <a:p>
+            <a:r>
+              <a:rPr lang="zh-CN" altLang="en-US" dirty="0" smtClean="0"/>
+              <a:t>这里的服务器是指在上游服务器里的服务器，默认是</a:t>
+            </a:r>
+            <a:r>
+              <a:rPr lang="en-US" altLang="zh-CN" dirty="0" smtClean="0"/>
+              <a:t>0</a:t>
+            </a:r>
+            <a:r>
+              <a:rPr lang="zh-CN" altLang="en-US" dirty="0" smtClean="0"/>
+              <a:t>，表示不限制。</a:t>
+            </a:r>
+            <a:endParaRPr lang="zh-CN" altLang="en-US" dirty="0"/>
+          </a:p>
+        </p:txBody>
+      </p:sp>
+      <p:sp>
+        <p:nvSpPr>
+          <p:cNvPr id="4" name="文本框 3"/>
+          <p:cNvSpPr txBox="1"/>
+          <p:nvPr/>
+        </p:nvSpPr>
+        <p:spPr>
+          <a:xfrm>
+            <a:off x="990600" y="1828800"/>
+            <a:ext cx="6524158" cy="646331"/>
+          </a:xfrm>
+          <a:prstGeom prst="rect">
+            <a:avLst/>
+          </a:prstGeom>
+          <a:noFill/>
+        </p:spPr>
+        <p:txBody>
+          <a:bodyPr wrap="none" rtlCol="0">
+            <a:spAutoFit/>
+          </a:bodyPr>
+          <a:lstStyle/>
+          <a:p>
+            <a:r>
+              <a:rPr lang="en-US" altLang="zh-CN" dirty="0" err="1" smtClean="0"/>
+              <a:t>Slow_start</a:t>
+            </a:r>
+            <a:r>
+              <a:rPr lang="zh-CN" altLang="en-US" dirty="0" smtClean="0"/>
+              <a:t>：缓慢启动、集群中的服务器，缓慢的被</a:t>
+            </a:r>
+            <a:r>
+              <a:rPr lang="en-US" altLang="zh-CN" dirty="0" err="1" smtClean="0"/>
+              <a:t>nginx</a:t>
+            </a:r>
+            <a:r>
+              <a:rPr lang="zh-CN" altLang="en-US" dirty="0" smtClean="0"/>
+              <a:t>管理，</a:t>
+            </a:r>
+            <a:endParaRPr lang="en-US" altLang="zh-CN" dirty="0" smtClean="0"/>
+          </a:p>
+          <a:p>
+            <a:r>
+              <a:rPr lang="zh-CN" altLang="en-US" dirty="0" smtClean="0"/>
+              <a:t>而不是一下子全部被</a:t>
+            </a:r>
+            <a:r>
+              <a:rPr lang="en-US" altLang="zh-CN" dirty="0" err="1" smtClean="0"/>
+              <a:t>nginx</a:t>
+            </a:r>
+            <a:r>
+              <a:rPr lang="zh-CN" altLang="en-US" dirty="0" smtClean="0"/>
+              <a:t>管理。要配合权重使用。</a:t>
+            </a:r>
+            <a:endParaRPr lang="zh-CN" altLang="en-US" dirty="0"/>
+          </a:p>
+        </p:txBody>
+      </p:sp>
+      <p:pic>
+        <p:nvPicPr>
+          <p:cNvPr id="5" name="图片 4"/>
+          <p:cNvPicPr>
+            <a:picLocks noChangeAspect="1"/>
+          </p:cNvPicPr>
+          <p:nvPr/>
+        </p:nvPicPr>
+        <p:blipFill>
+          <a:blip r:embed="rId2"/>
+          <a:stretch>
+            <a:fillRect/>
+          </a:stretch>
+        </p:blipFill>
+        <p:spPr>
+          <a:xfrm>
+            <a:off x="838200" y="2667000"/>
+            <a:ext cx="7161391" cy="4027760"/>
+          </a:xfrm>
+          <a:prstGeom prst="rect">
+            <a:avLst/>
+          </a:prstGeom>
+        </p:spPr>
+      </p:pic>
     </p:spTree>
+  </p:cSld>
+  <p:clrMapOvr>
+    <a:masterClrMapping/>
+  </p:clrMapOvr>
+</p:sld>
+</file>
+
+<file path=ppt/slides/slide3.xml><?xml version="1.0" encoding="utf-8"?>
+<p:sld xmlns:a="http://schemas.openxmlformats.org/drawingml/2006/main" xmlns:r="http://schemas.openxmlformats.org/officeDocument/2006/relationships" xmlns:p="http://schemas.openxmlformats.org/presentationml/2006/main">
+  <p:cSld>
+    <p:spTree>
+      <p:nvGrpSpPr>
+        <p:cNvPr id="1" name=""/>
+        <p:cNvGrpSpPr/>
+        <p:nvPr/>
+      </p:nvGrpSpPr>
+      <p:grpSpPr>
+        <a:xfrm>
+          <a:off x="0" y="0"/>
+          <a:ext cx="0" cy="0"/>
+          <a:chOff x="0" y="0"/>
+          <a:chExt cx="0" cy="0"/>
+        </a:xfrm>
+      </p:grpSpPr>
+      <p:pic>
+        <p:nvPicPr>
+          <p:cNvPr id="2" name="图片 1"/>
+          <p:cNvPicPr>
+            <a:picLocks noChangeAspect="1"/>
+          </p:cNvPicPr>
+          <p:nvPr/>
+        </p:nvPicPr>
+        <p:blipFill>
+          <a:blip r:embed="rId2"/>
+          <a:stretch>
+            <a:fillRect/>
+          </a:stretch>
+        </p:blipFill>
+        <p:spPr>
+          <a:xfrm>
+            <a:off x="990600" y="533400"/>
+            <a:ext cx="8486775" cy="1066800"/>
+          </a:xfrm>
+          <a:prstGeom prst="rect">
+            <a:avLst/>
+          </a:prstGeom>
+        </p:spPr>
+      </p:pic>
+      <p:sp>
+        <p:nvSpPr>
+          <p:cNvPr id="3" name="文本框 2"/>
+          <p:cNvSpPr txBox="1"/>
+          <p:nvPr/>
+        </p:nvSpPr>
+        <p:spPr>
+          <a:xfrm>
+            <a:off x="1066800" y="1981200"/>
+            <a:ext cx="2492990" cy="369332"/>
+          </a:xfrm>
+          <a:prstGeom prst="rect">
+            <a:avLst/>
+          </a:prstGeom>
+          <a:noFill/>
+        </p:spPr>
+        <p:txBody>
+          <a:bodyPr wrap="none" rtlCol="0">
+            <a:spAutoFit/>
+          </a:bodyPr>
+          <a:lstStyle/>
+          <a:p>
+            <a:r>
+              <a:rPr lang="zh-CN" altLang="en-US" dirty="0" smtClean="0"/>
+              <a:t>只有商业版才可以使用</a:t>
+            </a:r>
+            <a:endParaRPr lang="zh-CN" altLang="en-US" dirty="0"/>
+          </a:p>
+        </p:txBody>
+      </p:sp>
+      <p:pic>
+        <p:nvPicPr>
+          <p:cNvPr id="4" name="图片 3"/>
+          <p:cNvPicPr>
+            <a:picLocks noChangeAspect="1"/>
+          </p:cNvPicPr>
+          <p:nvPr/>
+        </p:nvPicPr>
+        <p:blipFill>
+          <a:blip r:embed="rId3"/>
+          <a:stretch>
+            <a:fillRect/>
+          </a:stretch>
+        </p:blipFill>
+        <p:spPr>
+          <a:xfrm>
+            <a:off x="956256" y="2819400"/>
+            <a:ext cx="6715125" cy="2419350"/>
+          </a:xfrm>
+          <a:prstGeom prst="rect">
+            <a:avLst/>
+          </a:prstGeom>
+        </p:spPr>
+      </p:pic>
+    </p:spTree>
+    <p:extLst>
+      <p:ext uri="{BB962C8B-B14F-4D97-AF65-F5344CB8AC3E}">
+        <p14:creationId xmlns:p14="http://schemas.microsoft.com/office/powerpoint/2010/main" val="2195886985"/>
+      </p:ext>
+    </p:extLst>
+  </p:cSld>
+  <p:clrMapOvr>
+    <a:masterClrMapping/>
+  </p:clrMapOvr>
+</p:sld>
+</file>
+
+<file path=ppt/slides/slide4.xml><?xml version="1.0" encoding="utf-8"?>
+<p:sld xmlns:a="http://schemas.openxmlformats.org/drawingml/2006/main" xmlns:r="http://schemas.openxmlformats.org/officeDocument/2006/relationships" xmlns:p="http://schemas.openxmlformats.org/presentationml/2006/main">
+  <p:cSld>
+    <p:spTree>
+      <p:nvGrpSpPr>
+        <p:cNvPr id="1" name=""/>
+        <p:cNvGrpSpPr/>
+        <p:nvPr/>
+      </p:nvGrpSpPr>
+      <p:grpSpPr>
+        <a:xfrm>
+          <a:off x="0" y="0"/>
+          <a:ext cx="0" cy="0"/>
+          <a:chOff x="0" y="0"/>
+          <a:chExt cx="0" cy="0"/>
+        </a:xfrm>
+      </p:grpSpPr>
+      <p:pic>
+        <p:nvPicPr>
+          <p:cNvPr id="2" name="图片 1"/>
+          <p:cNvPicPr>
+            <a:picLocks noChangeAspect="1"/>
+          </p:cNvPicPr>
+          <p:nvPr/>
+        </p:nvPicPr>
+        <p:blipFill>
+          <a:blip r:embed="rId2"/>
+          <a:stretch>
+            <a:fillRect/>
+          </a:stretch>
+        </p:blipFill>
+        <p:spPr>
+          <a:xfrm>
+            <a:off x="838200" y="381000"/>
+            <a:ext cx="6276975" cy="2314575"/>
+          </a:xfrm>
+          <a:prstGeom prst="rect">
+            <a:avLst/>
+          </a:prstGeom>
+        </p:spPr>
+      </p:pic>
+      <p:sp>
+        <p:nvSpPr>
+          <p:cNvPr id="3" name="文本框 2"/>
+          <p:cNvSpPr txBox="1"/>
+          <p:nvPr/>
+        </p:nvSpPr>
+        <p:spPr>
+          <a:xfrm>
+            <a:off x="990600" y="3200400"/>
+            <a:ext cx="4470198" cy="369332"/>
+          </a:xfrm>
+          <a:prstGeom prst="rect">
+            <a:avLst/>
+          </a:prstGeom>
+          <a:noFill/>
+        </p:spPr>
+        <p:txBody>
+          <a:bodyPr wrap="none" rtlCol="0">
+            <a:spAutoFit/>
+          </a:bodyPr>
+          <a:lstStyle/>
+          <a:p>
+            <a:r>
+              <a:rPr lang="en-US" altLang="zh-CN" dirty="0" smtClean="0"/>
+              <a:t>down:</a:t>
+            </a:r>
+            <a:r>
+              <a:rPr lang="zh-CN" altLang="en-US" dirty="0" smtClean="0"/>
+              <a:t>集群服务器下线，不能被用户访问到</a:t>
+            </a:r>
+            <a:endParaRPr lang="zh-CN" altLang="en-US" dirty="0"/>
+          </a:p>
+        </p:txBody>
+      </p:sp>
+    </p:spTree>
+    <p:extLst>
+      <p:ext uri="{BB962C8B-B14F-4D97-AF65-F5344CB8AC3E}">
+        <p14:creationId xmlns:p14="http://schemas.microsoft.com/office/powerpoint/2010/main" val="4220339884"/>
+      </p:ext>
+    </p:extLst>
+  </p:cSld>
+  <p:clrMapOvr>
+    <a:masterClrMapping/>
+  </p:clrMapOvr>
+</p:sld>
+</file>
+
+<file path=ppt/slides/slide5.xml><?xml version="1.0" encoding="utf-8"?>
+<p:sld xmlns:a="http://schemas.openxmlformats.org/drawingml/2006/main" xmlns:r="http://schemas.openxmlformats.org/officeDocument/2006/relationships" xmlns:p="http://schemas.openxmlformats.org/presentationml/2006/main">
+  <p:cSld>
+    <p:spTree>
+      <p:nvGrpSpPr>
+        <p:cNvPr id="1" name=""/>
+        <p:cNvGrpSpPr/>
+        <p:nvPr/>
+      </p:nvGrpSpPr>
+      <p:grpSpPr>
+        <a:xfrm>
+          <a:off x="0" y="0"/>
+          <a:ext cx="0" cy="0"/>
+          <a:chOff x="0" y="0"/>
+          <a:chExt cx="0" cy="0"/>
+        </a:xfrm>
+      </p:grpSpPr>
+      <p:pic>
+        <p:nvPicPr>
+          <p:cNvPr id="2" name="图片 1"/>
+          <p:cNvPicPr>
+            <a:picLocks noChangeAspect="1"/>
+          </p:cNvPicPr>
+          <p:nvPr/>
+        </p:nvPicPr>
+        <p:blipFill>
+          <a:blip r:embed="rId2"/>
+          <a:stretch>
+            <a:fillRect/>
+          </a:stretch>
+        </p:blipFill>
+        <p:spPr>
+          <a:xfrm>
+            <a:off x="762000" y="381000"/>
+            <a:ext cx="5934075" cy="1381125"/>
+          </a:xfrm>
+          <a:prstGeom prst="rect">
+            <a:avLst/>
+          </a:prstGeom>
+        </p:spPr>
+      </p:pic>
+      <p:sp>
+        <p:nvSpPr>
+          <p:cNvPr id="3" name="文本框 2"/>
+          <p:cNvSpPr txBox="1"/>
+          <p:nvPr/>
+        </p:nvSpPr>
+        <p:spPr>
+          <a:xfrm>
+            <a:off x="304800" y="2286000"/>
+            <a:ext cx="8302529" cy="646331"/>
+          </a:xfrm>
+          <a:prstGeom prst="rect">
+            <a:avLst/>
+          </a:prstGeom>
+          <a:noFill/>
+        </p:spPr>
+        <p:txBody>
+          <a:bodyPr wrap="none" rtlCol="0">
+            <a:spAutoFit/>
+          </a:bodyPr>
+          <a:lstStyle/>
+          <a:p>
+            <a:r>
+              <a:rPr lang="en-US" altLang="zh-CN" dirty="0" smtClean="0"/>
+              <a:t>Backup </a:t>
+            </a:r>
+            <a:r>
+              <a:rPr lang="zh-CN" altLang="en-US" dirty="0" smtClean="0"/>
+              <a:t>标示备用机，及群众其他机器没有宕机的话，请求不会走到这台备用机上</a:t>
+            </a:r>
+            <a:endParaRPr lang="en-US" altLang="zh-CN" dirty="0" smtClean="0"/>
+          </a:p>
+          <a:p>
+            <a:r>
+              <a:rPr lang="zh-CN" altLang="en-US" dirty="0" smtClean="0"/>
+              <a:t>当集群中其他所有机器都挂了，那么这台机器就会顶上去。</a:t>
+            </a:r>
+            <a:endParaRPr lang="zh-CN" altLang="en-US" dirty="0"/>
+          </a:p>
+        </p:txBody>
+      </p:sp>
+    </p:spTree>
+    <p:extLst>
+      <p:ext uri="{BB962C8B-B14F-4D97-AF65-F5344CB8AC3E}">
+        <p14:creationId xmlns:p14="http://schemas.microsoft.com/office/powerpoint/2010/main" val="4079122229"/>
+      </p:ext>
+    </p:extLst>
+  </p:cSld>
+  <p:clrMapOvr>
+    <a:masterClrMapping/>
+  </p:clrMapOvr>
+</p:sld>
+</file>
+
+<file path=ppt/slides/slide6.xml><?xml version="1.0" encoding="utf-8"?>
+<p:sld xmlns:a="http://schemas.openxmlformats.org/drawingml/2006/main" xmlns:r="http://schemas.openxmlformats.org/officeDocument/2006/relationships" xmlns:p="http://schemas.openxmlformats.org/presentationml/2006/main">
+  <p:cSld>
+    <p:spTree>
+      <p:nvGrpSpPr>
+        <p:cNvPr id="1" name=""/>
+        <p:cNvGrpSpPr/>
+        <p:nvPr/>
+      </p:nvGrpSpPr>
+      <p:grpSpPr>
+        <a:xfrm>
+          <a:off x="0" y="0"/>
+          <a:ext cx="0" cy="0"/>
+          <a:chOff x="0" y="0"/>
+          <a:chExt cx="0" cy="0"/>
+        </a:xfrm>
+      </p:grpSpPr>
+      <p:sp>
+        <p:nvSpPr>
+          <p:cNvPr id="2" name="文本框 1"/>
+          <p:cNvSpPr txBox="1"/>
+          <p:nvPr/>
+        </p:nvSpPr>
+        <p:spPr>
+          <a:xfrm>
+            <a:off x="152400" y="457200"/>
+            <a:ext cx="9417963" cy="3139321"/>
+          </a:xfrm>
+          <a:prstGeom prst="rect">
+            <a:avLst/>
+          </a:prstGeom>
+          <a:noFill/>
+        </p:spPr>
+        <p:txBody>
+          <a:bodyPr wrap="none" rtlCol="0">
+            <a:spAutoFit/>
+          </a:bodyPr>
+          <a:lstStyle/>
+          <a:p>
+            <a:r>
+              <a:rPr lang="en-US" altLang="zh-CN" dirty="0" err="1" smtClean="0"/>
+              <a:t>Max_fails</a:t>
+            </a:r>
+            <a:r>
+              <a:rPr lang="zh-CN" altLang="en-US" dirty="0" smtClean="0"/>
+              <a:t>：最大失败次数，当这个服务器的失败次数达到最大失败次数之后，</a:t>
+            </a:r>
+            <a:endParaRPr lang="en-US" altLang="zh-CN" dirty="0" smtClean="0"/>
+          </a:p>
+          <a:p>
+            <a:r>
+              <a:rPr lang="zh-CN" altLang="en-US" dirty="0" smtClean="0"/>
+              <a:t>那么</a:t>
+            </a:r>
+            <a:r>
+              <a:rPr lang="en-US" altLang="zh-CN" dirty="0" err="1" smtClean="0"/>
+              <a:t>nginx</a:t>
+            </a:r>
+            <a:r>
+              <a:rPr lang="zh-CN" altLang="en-US" dirty="0" smtClean="0"/>
+              <a:t>会把这台服务器提出到集群外。</a:t>
+            </a:r>
+            <a:r>
+              <a:rPr lang="en-US" altLang="zh-CN" dirty="0" smtClean="0"/>
+              <a:t>Nginx </a:t>
+            </a:r>
+            <a:r>
+              <a:rPr lang="zh-CN" altLang="en-US" dirty="0" smtClean="0"/>
+              <a:t>认为这台服务器宕机了。</a:t>
+            </a:r>
+            <a:endParaRPr lang="en-US" altLang="zh-CN" dirty="0" smtClean="0"/>
+          </a:p>
+          <a:p>
+            <a:r>
+              <a:rPr lang="zh-CN" altLang="en-US" dirty="0" smtClean="0"/>
+              <a:t>默认值是</a:t>
+            </a:r>
+            <a:r>
+              <a:rPr lang="en-US" altLang="zh-CN" dirty="0" smtClean="0"/>
+              <a:t>1</a:t>
+            </a:r>
+            <a:r>
+              <a:rPr lang="zh-CN" altLang="en-US" dirty="0" smtClean="0"/>
+              <a:t>；</a:t>
+            </a:r>
+            <a:endParaRPr lang="en-US" altLang="zh-CN" dirty="0"/>
+          </a:p>
+          <a:p>
+            <a:endParaRPr lang="en-US" altLang="zh-CN" dirty="0" smtClean="0"/>
+          </a:p>
+          <a:p>
+            <a:r>
+              <a:rPr lang="en-US" altLang="zh-CN" dirty="0" err="1" smtClean="0"/>
+              <a:t>Fail_timeout</a:t>
+            </a:r>
+            <a:r>
+              <a:rPr lang="zh-CN" altLang="en-US" dirty="0" smtClean="0"/>
+              <a:t>：和</a:t>
+            </a:r>
+            <a:r>
+              <a:rPr lang="en-US" altLang="zh-CN" dirty="0" err="1" smtClean="0"/>
+              <a:t>max_fails</a:t>
+            </a:r>
+            <a:r>
+              <a:rPr lang="zh-CN" altLang="en-US" dirty="0" smtClean="0"/>
+              <a:t>参数结合使用，当</a:t>
+            </a:r>
+            <a:r>
+              <a:rPr lang="en-US" altLang="zh-CN" dirty="0" err="1" smtClean="0"/>
+              <a:t>nginx</a:t>
+            </a:r>
+            <a:r>
+              <a:rPr lang="zh-CN" altLang="en-US" dirty="0" smtClean="0"/>
+              <a:t>认为其宕机之后，设置个超时时间，</a:t>
+            </a:r>
+            <a:endParaRPr lang="en-US" altLang="zh-CN" dirty="0" smtClean="0"/>
+          </a:p>
+          <a:p>
+            <a:r>
+              <a:rPr lang="zh-CN" altLang="en-US" dirty="0" smtClean="0"/>
+              <a:t>在这个时间内不会再次请求那台“宕机”的服务器；</a:t>
+            </a:r>
+            <a:endParaRPr lang="en-US" altLang="zh-CN" dirty="0" smtClean="0"/>
+          </a:p>
+          <a:p>
+            <a:r>
+              <a:rPr lang="zh-CN" altLang="en-US" dirty="0" smtClean="0"/>
+              <a:t>当达到这个时间之后，那么进来的新请求就会再次分配给那台认为“宕机”的服务器处理。</a:t>
+            </a:r>
+            <a:endParaRPr lang="en-US" altLang="zh-CN" dirty="0" smtClean="0"/>
+          </a:p>
+          <a:p>
+            <a:r>
+              <a:rPr lang="zh-CN" altLang="en-US" dirty="0" smtClean="0"/>
+              <a:t>默认值是</a:t>
+            </a:r>
+            <a:r>
+              <a:rPr lang="en-US" altLang="zh-CN" dirty="0" smtClean="0"/>
+              <a:t>10s</a:t>
+            </a:r>
+            <a:r>
+              <a:rPr lang="zh-CN" altLang="en-US" dirty="0" smtClean="0"/>
+              <a:t>。</a:t>
+            </a:r>
+            <a:endParaRPr lang="en-US" altLang="zh-CN" dirty="0" smtClean="0"/>
+          </a:p>
+          <a:p>
+            <a:endParaRPr lang="en-US" altLang="zh-CN" dirty="0"/>
+          </a:p>
+          <a:p>
+            <a:endParaRPr lang="en-US" altLang="zh-CN" dirty="0" smtClean="0"/>
+          </a:p>
+          <a:p>
+            <a:r>
+              <a:rPr lang="zh-CN" altLang="en-US" b="1" dirty="0" smtClean="0">
+                <a:solidFill>
+                  <a:srgbClr val="FF0000"/>
+                </a:solidFill>
+              </a:rPr>
+              <a:t>可以用</a:t>
+            </a:r>
+            <a:r>
+              <a:rPr lang="en-US" altLang="zh-CN" b="1" dirty="0" err="1" smtClean="0">
+                <a:solidFill>
+                  <a:srgbClr val="FF0000"/>
+                </a:solidFill>
+              </a:rPr>
+              <a:t>jmeter</a:t>
+            </a:r>
+            <a:r>
+              <a:rPr lang="zh-CN" altLang="en-US" b="1" dirty="0" smtClean="0">
+                <a:solidFill>
+                  <a:srgbClr val="FF0000"/>
+                </a:solidFill>
+              </a:rPr>
+              <a:t>做测试</a:t>
+            </a:r>
+            <a:endParaRPr lang="en-US" altLang="zh-CN" b="1" dirty="0" smtClean="0">
+              <a:solidFill>
+                <a:srgbClr val="FF0000"/>
+              </a:solidFill>
+            </a:endParaRPr>
+          </a:p>
+        </p:txBody>
+      </p:sp>
+      <p:pic>
+        <p:nvPicPr>
+          <p:cNvPr id="3" name="图片 2"/>
+          <p:cNvPicPr>
+            <a:picLocks noChangeAspect="1"/>
+          </p:cNvPicPr>
+          <p:nvPr/>
+        </p:nvPicPr>
+        <p:blipFill>
+          <a:blip r:embed="rId2"/>
+          <a:stretch>
+            <a:fillRect/>
+          </a:stretch>
+        </p:blipFill>
+        <p:spPr>
+          <a:xfrm>
+            <a:off x="2438400" y="2971800"/>
+            <a:ext cx="6619875" cy="3657600"/>
+          </a:xfrm>
+          <a:prstGeom prst="rect">
+            <a:avLst/>
+          </a:prstGeom>
+        </p:spPr>
+      </p:pic>
+    </p:spTree>
+    <p:extLst>
+      <p:ext uri="{BB962C8B-B14F-4D97-AF65-F5344CB8AC3E}">
+        <p14:creationId xmlns:p14="http://schemas.microsoft.com/office/powerpoint/2010/main" val="1029656962"/>
+      </p:ext>
+    </p:extLst>
   </p:cSld>
   <p:clrMapOvr>
     <a:masterClrMapping/>
